--- a/CYBER360-5.5-CIM-Event-Subscription.pptx
+++ b/CYBER360-5.5-CIM-Event-Subscription.pptx
@@ -116,16 +116,6 @@
 </p:presentation>
 </file>
 
-<file path=ppt/revisionInfo.xml><?xml version="1.0" encoding="utf-8"?>
-<p1510:revInfo xmlns:a="http://schemas.openxmlformats.org/drawingml/2006/main" xmlns:r="http://schemas.openxmlformats.org/officeDocument/2006/relationships" xmlns:p1510="http://schemas.microsoft.com/office/powerpoint/2015/10/main">
-  <p1510:revLst>
-    <p1510:client id="{0E0ED151-5F6D-4269-8E91-753BA0E65D54}" v="3" dt="2024-02-20T17:31:57.024"/>
-    <p1510:client id="{5B3FBBC5-B788-4A9E-9FD4-842EBD374311}" v="5" dt="2024-02-20T16:42:25.665"/>
-    <p1510:client id="{6BB3E98D-F381-4EFF-81EB-11D831A89BCC}" v="1" dt="2024-02-20T18:43:50.466"/>
-  </p1510:revLst>
-</p1510:revInfo>
-</file>
-
 <file path=ppt/changesInfos/changesInfo1.xml><?xml version="1.0" encoding="utf-8"?>
 <pc:chgInfo xmlns:a="http://schemas.openxmlformats.org/drawingml/2006/main" xmlns:r="http://schemas.openxmlformats.org/officeDocument/2006/relationships" xmlns:ac="http://schemas.microsoft.com/office/drawing/2013/main/command" xmlns:pc="http://schemas.microsoft.com/office/powerpoint/2013/main/command">
   <pc:docChgLst>
@@ -3696,6 +3686,45 @@
           <pc:docMk/>
           <pc:sldMk cId="465083765" sldId="269"/>
         </pc:sldMkLst>
+      </pc:sldChg>
+    </pc:docChg>
+  </pc:docChgLst>
+  <pc:docChgLst>
+    <pc:chgData name="Gibbons, Carl" userId="d2b037bc-8fb4-4222-845c-61440543a456" providerId="ADAL" clId="{E18814B0-CF51-43C3-8A66-0AE7FD069A2B}"/>
+    <pc:docChg chg="modSld">
+      <pc:chgData name="Gibbons, Carl" userId="d2b037bc-8fb4-4222-845c-61440543a456" providerId="ADAL" clId="{E18814B0-CF51-43C3-8A66-0AE7FD069A2B}" dt="2024-06-13T14:37:16.733" v="104" actId="20577"/>
+      <pc:docMkLst>
+        <pc:docMk/>
+      </pc:docMkLst>
+      <pc:sldChg chg="modSp mod">
+        <pc:chgData name="Gibbons, Carl" userId="d2b037bc-8fb4-4222-845c-61440543a456" providerId="ADAL" clId="{E18814B0-CF51-43C3-8A66-0AE7FD069A2B}" dt="2024-06-13T14:37:16.733" v="104" actId="20577"/>
+        <pc:sldMkLst>
+          <pc:docMk/>
+          <pc:sldMk cId="3308175748" sldId="256"/>
+        </pc:sldMkLst>
+        <pc:spChg chg="mod">
+          <ac:chgData name="Gibbons, Carl" userId="d2b037bc-8fb4-4222-845c-61440543a456" providerId="ADAL" clId="{E18814B0-CF51-43C3-8A66-0AE7FD069A2B}" dt="2024-06-13T14:37:16.733" v="104" actId="20577"/>
+          <ac:spMkLst>
+            <pc:docMk/>
+            <pc:sldMk cId="3308175748" sldId="256"/>
+            <ac:spMk id="3" creationId="{EEC4D41B-E776-05F2-BE0B-89BB339485AB}"/>
+          </ac:spMkLst>
+        </pc:spChg>
+      </pc:sldChg>
+      <pc:sldChg chg="modSp mod">
+        <pc:chgData name="Gibbons, Carl" userId="d2b037bc-8fb4-4222-845c-61440543a456" providerId="ADAL" clId="{E18814B0-CF51-43C3-8A66-0AE7FD069A2B}" dt="2024-06-13T03:13:37.036" v="102" actId="20577"/>
+        <pc:sldMkLst>
+          <pc:docMk/>
+          <pc:sldMk cId="1467586035" sldId="266"/>
+        </pc:sldMkLst>
+        <pc:spChg chg="mod">
+          <ac:chgData name="Gibbons, Carl" userId="d2b037bc-8fb4-4222-845c-61440543a456" providerId="ADAL" clId="{E18814B0-CF51-43C3-8A66-0AE7FD069A2B}" dt="2024-06-13T03:13:37.036" v="102" actId="20577"/>
+          <ac:spMkLst>
+            <pc:docMk/>
+            <pc:sldMk cId="1467586035" sldId="266"/>
+            <ac:spMk id="7" creationId="{56F98B9D-53CB-0D01-51DD-F6B452AAB6C5}"/>
+          </ac:spMkLst>
+        </pc:spChg>
       </pc:sldChg>
     </pc:docChg>
   </pc:docChgLst>
@@ -3972,7 +4001,7 @@
           <a:p>
             <a:fld id="{421996D4-4A1C-4BBC-AA2B-FD5B7FC395A0}" type="datetime1">
               <a:rPr lang="en-US" smtClean="0"/>
-              <a:t>2/20/2024</a:t>
+              <a:t>6/13/2024</a:t>
             </a:fld>
             <a:endParaRPr lang="en-US"/>
           </a:p>
@@ -4170,7 +4199,7 @@
           <a:p>
             <a:fld id="{CB43818D-5554-4105-BE04-CEE32DEBDA0A}" type="datetime1">
               <a:rPr lang="en-US" smtClean="0"/>
-              <a:t>2/20/2024</a:t>
+              <a:t>6/13/2024</a:t>
             </a:fld>
             <a:endParaRPr lang="en-US"/>
           </a:p>
@@ -4378,7 +4407,7 @@
           <a:p>
             <a:fld id="{AFAC11C6-1708-41BC-9474-3D7842023D96}" type="datetime1">
               <a:rPr lang="en-US" smtClean="0"/>
-              <a:t>2/20/2024</a:t>
+              <a:t>6/13/2024</a:t>
             </a:fld>
             <a:endParaRPr lang="en-US"/>
           </a:p>
@@ -4657,7 +4686,7 @@
           <a:p>
             <a:fld id="{490605F8-8C86-41F5-9F5E-04EDB8C2540B}" type="datetime1">
               <a:rPr lang="en-US" smtClean="0"/>
-              <a:t>2/20/2024</a:t>
+              <a:t>6/13/2024</a:t>
             </a:fld>
             <a:endParaRPr lang="en-US"/>
           </a:p>
@@ -4932,7 +4961,7 @@
           <a:p>
             <a:fld id="{CA355DA2-1E89-41CC-B722-CBFC08F260AE}" type="datetime1">
               <a:rPr lang="en-US" smtClean="0"/>
-              <a:t>2/20/2024</a:t>
+              <a:t>6/13/2024</a:t>
             </a:fld>
             <a:endParaRPr lang="en-US"/>
           </a:p>
@@ -5197,7 +5226,7 @@
           <a:p>
             <a:fld id="{7F6AFD48-C472-404E-B7B5-BA44CCF2F55D}" type="datetime1">
               <a:rPr lang="en-US" smtClean="0"/>
-              <a:t>2/20/2024</a:t>
+              <a:t>6/13/2024</a:t>
             </a:fld>
             <a:endParaRPr lang="en-US"/>
           </a:p>
@@ -5609,7 +5638,7 @@
           <a:p>
             <a:fld id="{B33F52E9-9255-4CAF-909C-660126F1B079}" type="datetime1">
               <a:rPr lang="en-US" smtClean="0"/>
-              <a:t>2/20/2024</a:t>
+              <a:t>6/13/2024</a:t>
             </a:fld>
             <a:endParaRPr lang="en-US"/>
           </a:p>
@@ -5750,7 +5779,7 @@
           <a:p>
             <a:fld id="{67F9F019-D13C-4797-8A9F-7B02D5B8121E}" type="datetime1">
               <a:rPr lang="en-US" smtClean="0"/>
-              <a:t>2/20/2024</a:t>
+              <a:t>6/13/2024</a:t>
             </a:fld>
             <a:endParaRPr lang="en-US"/>
           </a:p>
@@ -5863,7 +5892,7 @@
           <a:p>
             <a:fld id="{FDA143B9-A6C4-436D-945A-FF5B3EA2EF39}" type="datetime1">
               <a:rPr lang="en-US" smtClean="0"/>
-              <a:t>2/20/2024</a:t>
+              <a:t>6/13/2024</a:t>
             </a:fld>
             <a:endParaRPr lang="en-US"/>
           </a:p>
@@ -6174,7 +6203,7 @@
           <a:p>
             <a:fld id="{457E18FE-B6F9-4F6A-835B-8251F04458A0}" type="datetime1">
               <a:rPr lang="en-US" smtClean="0"/>
-              <a:t>2/20/2024</a:t>
+              <a:t>6/13/2024</a:t>
             </a:fld>
             <a:endParaRPr lang="en-US"/>
           </a:p>
@@ -6462,7 +6491,7 @@
           <a:p>
             <a:fld id="{5F2690CE-112A-455B-AD5F-E26CEA6A5331}" type="datetime1">
               <a:rPr lang="en-US" smtClean="0"/>
-              <a:t>2/20/2024</a:t>
+              <a:t>6/13/2024</a:t>
             </a:fld>
             <a:endParaRPr lang="en-US"/>
           </a:p>
@@ -6703,7 +6732,7 @@
           <a:p>
             <a:fld id="{9C4E342D-98AB-407C-88D4-A20ED0F70E1C}" type="datetime1">
               <a:rPr lang="en-US" smtClean="0"/>
-              <a:t>2/20/2024</a:t>
+              <a:t>6/13/2024</a:t>
             </a:fld>
             <a:endParaRPr lang="en-US"/>
           </a:p>
@@ -7173,7 +7202,7 @@
           <a:p>
             <a:r>
               <a:rPr lang="en-US" dirty="0"/>
-              <a:t>5.4: CIM event subscription</a:t>
+              <a:t>5.5: CIM event subscription</a:t>
             </a:r>
           </a:p>
         </p:txBody>
@@ -7940,7 +7969,7 @@
             </a:r>
             <a:r>
               <a:rPr lang="en-US" dirty="0"/>
-              <a:t>: create a text file in response to an event</a:t>
+              <a:t>: add a text string to a log file in response to an event</a:t>
             </a:r>
           </a:p>
           <a:p>
@@ -7956,8 +7985,21 @@
             </a:r>
             <a:r>
               <a:rPr lang="en-US" dirty="0"/>
-              <a:t>: logs the event</a:t>
-            </a:r>
+              <a:t>: </a:t>
+            </a:r>
+            <a:r>
+              <a:rPr lang="en-US"/>
+              <a:t>logs it </a:t>
+            </a:r>
+            <a:r>
+              <a:rPr lang="en-US" dirty="0"/>
+              <a:t>as a </a:t>
+            </a:r>
+            <a:r>
+              <a:rPr lang="en-US"/>
+              <a:t>Windows Event</a:t>
+            </a:r>
+            <a:endParaRPr lang="en-US" dirty="0"/>
           </a:p>
           <a:p>
             <a:pPr marL="1257300" lvl="2" indent="-342900">

--- a/CYBER360-5.5-CIM-Event-Subscription.pptx
+++ b/CYBER360-5.5-CIM-Event-Subscription.pptx
@@ -401,7 +401,7 @@
           <a:p>
             <a:fld id="{71087A05-F855-4434-8DDE-39A8542098A6}" type="datetimeFigureOut">
               <a:rPr lang="en-US" smtClean="0"/>
-              <a:t>11/21/2024</a:t>
+              <a:t>2/11/2025</a:t>
             </a:fld>
             <a:endParaRPr lang="en-US"/>
           </a:p>
@@ -639,7 +639,7 @@
           <a:p>
             <a:fld id="{71087A05-F855-4434-8DDE-39A8542098A6}" type="datetimeFigureOut">
               <a:rPr lang="en-US" smtClean="0"/>
-              <a:t>11/21/2024</a:t>
+              <a:t>2/11/2025</a:t>
             </a:fld>
             <a:endParaRPr lang="en-US"/>
           </a:p>
@@ -875,7 +875,7 @@
           <a:p>
             <a:fld id="{421996D4-4A1C-4BBC-AA2B-FD5B7FC395A0}" type="datetime1">
               <a:rPr lang="en-US" smtClean="0"/>
-              <a:t>11/21/2024</a:t>
+              <a:t>2/11/2025</a:t>
             </a:fld>
             <a:endParaRPr lang="en-US"/>
           </a:p>
@@ -1178,7 +1178,7 @@
           <a:p>
             <a:fld id="{71087A05-F855-4434-8DDE-39A8542098A6}" type="datetimeFigureOut">
               <a:rPr lang="en-US" smtClean="0"/>
-              <a:t>11/21/2024</a:t>
+              <a:t>2/11/2025</a:t>
             </a:fld>
             <a:endParaRPr lang="en-US"/>
           </a:p>
@@ -1483,7 +1483,7 @@
           <a:p>
             <a:fld id="{71087A05-F855-4434-8DDE-39A8542098A6}" type="datetimeFigureOut">
               <a:rPr lang="en-US" smtClean="0"/>
-              <a:t>11/21/2024</a:t>
+              <a:t>2/11/2025</a:t>
             </a:fld>
             <a:endParaRPr lang="en-US"/>
           </a:p>
@@ -1786,7 +1786,7 @@
           <a:p>
             <a:fld id="{71087A05-F855-4434-8DDE-39A8542098A6}" type="datetimeFigureOut">
               <a:rPr lang="en-US" smtClean="0"/>
-              <a:t>11/21/2024</a:t>
+              <a:t>2/11/2025</a:t>
             </a:fld>
             <a:endParaRPr lang="en-US"/>
           </a:p>
@@ -2237,7 +2237,7 @@
           <a:p>
             <a:fld id="{71087A05-F855-4434-8DDE-39A8542098A6}" type="datetimeFigureOut">
               <a:rPr lang="en-US" smtClean="0"/>
-              <a:t>11/21/2024</a:t>
+              <a:t>2/11/2025</a:t>
             </a:fld>
             <a:endParaRPr lang="en-US"/>
           </a:p>
@@ -2410,7 +2410,7 @@
           <a:p>
             <a:fld id="{71087A05-F855-4434-8DDE-39A8542098A6}" type="datetimeFigureOut">
               <a:rPr lang="en-US" smtClean="0"/>
-              <a:t>11/21/2024</a:t>
+              <a:t>2/11/2025</a:t>
             </a:fld>
             <a:endParaRPr lang="en-US"/>
           </a:p>
@@ -2547,7 +2547,7 @@
           <a:p>
             <a:fld id="{71087A05-F855-4434-8DDE-39A8542098A6}" type="datetimeFigureOut">
               <a:rPr lang="en-US" smtClean="0"/>
-              <a:t>11/21/2024</a:t>
+              <a:t>2/11/2025</a:t>
             </a:fld>
             <a:endParaRPr lang="en-US"/>
           </a:p>
@@ -2891,7 +2891,7 @@
           <a:p>
             <a:fld id="{71087A05-F855-4434-8DDE-39A8542098A6}" type="datetimeFigureOut">
               <a:rPr lang="en-US" smtClean="0"/>
-              <a:t>11/21/2024</a:t>
+              <a:t>2/11/2025</a:t>
             </a:fld>
             <a:endParaRPr lang="en-US"/>
           </a:p>
@@ -3215,7 +3215,7 @@
           <a:p>
             <a:fld id="{71087A05-F855-4434-8DDE-39A8542098A6}" type="datetimeFigureOut">
               <a:rPr lang="en-US" smtClean="0"/>
-              <a:t>11/21/2024</a:t>
+              <a:t>2/11/2025</a:t>
             </a:fld>
             <a:endParaRPr lang="en-US"/>
           </a:p>
@@ -4004,7 +4004,7 @@
             </a:r>
             <a:r>
               <a:rPr lang="en-US" dirty="0"/>
-              <a:t>(Provides registry access)</a:t>
+              <a:t>(provides registry access)</a:t>
             </a:r>
           </a:p>
           <a:p>

--- a/CYBER360-5.5-CIM-Event-Subscription.pptx
+++ b/CYBER360-5.5-CIM-Event-Subscription.pptx
@@ -401,7 +401,7 @@
           <a:p>
             <a:fld id="{71087A05-F855-4434-8DDE-39A8542098A6}" type="datetimeFigureOut">
               <a:rPr lang="en-US" smtClean="0"/>
-              <a:t>2/11/2025</a:t>
+              <a:t>3/19/2025</a:t>
             </a:fld>
             <a:endParaRPr lang="en-US"/>
           </a:p>
@@ -639,7 +639,7 @@
           <a:p>
             <a:fld id="{71087A05-F855-4434-8DDE-39A8542098A6}" type="datetimeFigureOut">
               <a:rPr lang="en-US" smtClean="0"/>
-              <a:t>2/11/2025</a:t>
+              <a:t>3/19/2025</a:t>
             </a:fld>
             <a:endParaRPr lang="en-US"/>
           </a:p>
@@ -875,7 +875,7 @@
           <a:p>
             <a:fld id="{421996D4-4A1C-4BBC-AA2B-FD5B7FC395A0}" type="datetime1">
               <a:rPr lang="en-US" smtClean="0"/>
-              <a:t>2/11/2025</a:t>
+              <a:t>3/19/2025</a:t>
             </a:fld>
             <a:endParaRPr lang="en-US"/>
           </a:p>
@@ -1178,7 +1178,7 @@
           <a:p>
             <a:fld id="{71087A05-F855-4434-8DDE-39A8542098A6}" type="datetimeFigureOut">
               <a:rPr lang="en-US" smtClean="0"/>
-              <a:t>2/11/2025</a:t>
+              <a:t>3/19/2025</a:t>
             </a:fld>
             <a:endParaRPr lang="en-US"/>
           </a:p>
@@ -1483,7 +1483,7 @@
           <a:p>
             <a:fld id="{71087A05-F855-4434-8DDE-39A8542098A6}" type="datetimeFigureOut">
               <a:rPr lang="en-US" smtClean="0"/>
-              <a:t>2/11/2025</a:t>
+              <a:t>3/19/2025</a:t>
             </a:fld>
             <a:endParaRPr lang="en-US"/>
           </a:p>
@@ -1786,7 +1786,7 @@
           <a:p>
             <a:fld id="{71087A05-F855-4434-8DDE-39A8542098A6}" type="datetimeFigureOut">
               <a:rPr lang="en-US" smtClean="0"/>
-              <a:t>2/11/2025</a:t>
+              <a:t>3/19/2025</a:t>
             </a:fld>
             <a:endParaRPr lang="en-US"/>
           </a:p>
@@ -2237,7 +2237,7 @@
           <a:p>
             <a:fld id="{71087A05-F855-4434-8DDE-39A8542098A6}" type="datetimeFigureOut">
               <a:rPr lang="en-US" smtClean="0"/>
-              <a:t>2/11/2025</a:t>
+              <a:t>3/19/2025</a:t>
             </a:fld>
             <a:endParaRPr lang="en-US"/>
           </a:p>
@@ -2410,7 +2410,7 @@
           <a:p>
             <a:fld id="{71087A05-F855-4434-8DDE-39A8542098A6}" type="datetimeFigureOut">
               <a:rPr lang="en-US" smtClean="0"/>
-              <a:t>2/11/2025</a:t>
+              <a:t>3/19/2025</a:t>
             </a:fld>
             <a:endParaRPr lang="en-US"/>
           </a:p>
@@ -2547,7 +2547,7 @@
           <a:p>
             <a:fld id="{71087A05-F855-4434-8DDE-39A8542098A6}" type="datetimeFigureOut">
               <a:rPr lang="en-US" smtClean="0"/>
-              <a:t>2/11/2025</a:t>
+              <a:t>3/19/2025</a:t>
             </a:fld>
             <a:endParaRPr lang="en-US"/>
           </a:p>
@@ -2891,7 +2891,7 @@
           <a:p>
             <a:fld id="{71087A05-F855-4434-8DDE-39A8542098A6}" type="datetimeFigureOut">
               <a:rPr lang="en-US" smtClean="0"/>
-              <a:t>2/11/2025</a:t>
+              <a:t>3/19/2025</a:t>
             </a:fld>
             <a:endParaRPr lang="en-US"/>
           </a:p>
@@ -3215,7 +3215,7 @@
           <a:p>
             <a:fld id="{71087A05-F855-4434-8DDE-39A8542098A6}" type="datetimeFigureOut">
               <a:rPr lang="en-US" smtClean="0"/>
-              <a:t>2/11/2025</a:t>
+              <a:t>3/19/2025</a:t>
             </a:fld>
             <a:endParaRPr lang="en-US"/>
           </a:p>
@@ -3800,8 +3800,27 @@
           <a:lstStyle/>
           <a:p>
             <a:r>
+              <a:rPr lang="en-US"/>
+              <a:t>CYBER </a:t>
+            </a:r>
+            <a:r>
               <a:rPr lang="en-US" dirty="0"/>
-              <a:t>CIT 361/CYBER 360: Advanced Scripting</a:t>
+              <a:t>360</a:t>
+            </a:r>
+            <a:r>
+              <a:rPr lang="en-US"/>
+              <a:t>: </a:t>
+            </a:r>
+            <a:br>
+              <a:rPr lang="en-US"/>
+            </a:br>
+            <a:r>
+              <a:rPr lang="en-US"/>
+              <a:t>Advanced </a:t>
+            </a:r>
+            <a:r>
+              <a:rPr lang="en-US" dirty="0"/>
+              <a:t>Scripting</a:t>
             </a:r>
           </a:p>
         </p:txBody>
